--- a/resource/30.analysis/320.environment/321.프로젝트 개발환경분석서.pptx
+++ b/resource/30.analysis/320.environment/321.프로젝트 개발환경분석서.pptx
@@ -105,6 +105,11 @@
       </a:defRPr>
     </a:lvl9pPr>
   </p:defaultTextStyle>
+  <p:extLst>
+    <p:ext uri="{EFAFB233-063F-42B5-8137-9DF3F51BA10A}">
+      <p15:sldGuideLst xmlns:p15="http://schemas.microsoft.com/office/powerpoint/2012/main"/>
+    </p:ext>
+  </p:extLst>
 </p:presentation>
 </file>
 
@@ -3062,7 +3067,7 @@
         </p:blipFill>
         <p:spPr>
           <a:xfrm>
-            <a:off x="6329003" y="5155245"/>
+            <a:off x="6928344" y="5170286"/>
             <a:ext cx="940016" cy="1440900"/>
           </a:xfrm>
           <a:prstGeom prst="rect">
@@ -3078,8 +3083,8 @@
         </p:nvSpPr>
         <p:spPr>
           <a:xfrm>
-            <a:off x="5440146" y="1129012"/>
-            <a:ext cx="2994089" cy="369332"/>
+            <a:off x="5784727" y="1011121"/>
+            <a:ext cx="3139834" cy="400110"/>
           </a:xfrm>
           <a:prstGeom prst="rect">
             <a:avLst/>
@@ -3099,9 +3104,19 @@
                   </a:schemeClr>
                 </a:solidFill>
               </a:rPr>
-              <a:t>Databases &amp; Frameworks</a:t>
-            </a:r>
-            <a:endParaRPr lang="ko-KR" altLang="en-US" b="1" dirty="0">
+              <a:t>Databases &amp; </a:t>
+            </a:r>
+            <a:r>
+              <a:rPr lang="en-US" altLang="ko-KR" sz="2000" b="1" dirty="0" smtClean="0">
+                <a:solidFill>
+                  <a:schemeClr val="accent6">
+                    <a:lumMod val="75000"/>
+                  </a:schemeClr>
+                </a:solidFill>
+              </a:rPr>
+              <a:t>Frameworks</a:t>
+            </a:r>
+            <a:endParaRPr lang="ko-KR" altLang="en-US" sz="2000" b="1" dirty="0">
               <a:solidFill>
                 <a:schemeClr val="accent6">
                   <a:lumMod val="75000"/>
@@ -3133,7 +3148,7 @@
         </p:blipFill>
         <p:spPr>
           <a:xfrm>
-            <a:off x="5270772" y="5342193"/>
+            <a:off x="5863646" y="5342193"/>
             <a:ext cx="1021441" cy="1021441"/>
           </a:xfrm>
           <a:prstGeom prst="rect">
@@ -3179,8 +3194,8 @@
         </p:nvSpPr>
         <p:spPr>
           <a:xfrm>
-            <a:off x="5440146" y="3170109"/>
-            <a:ext cx="990143" cy="369332"/>
+            <a:off x="5833931" y="2920430"/>
+            <a:ext cx="1080873" cy="400110"/>
           </a:xfrm>
           <a:prstGeom prst="rect">
             <a:avLst/>
@@ -3193,7 +3208,7 @@
           <a:lstStyle/>
           <a:p>
             <a:r>
-              <a:rPr lang="en-US" altLang="ko-KR" b="1" dirty="0" smtClean="0">
+              <a:rPr lang="en-US" altLang="ko-KR" sz="2000" b="1" dirty="0" smtClean="0">
                 <a:solidFill>
                   <a:schemeClr val="accent6">
                     <a:lumMod val="75000"/>
@@ -3202,7 +3217,7 @@
               </a:rPr>
               <a:t>Servers</a:t>
             </a:r>
-            <a:endParaRPr lang="ko-KR" altLang="en-US" b="1" dirty="0">
+            <a:endParaRPr lang="ko-KR" altLang="en-US" sz="2000" b="1" dirty="0">
               <a:solidFill>
                 <a:schemeClr val="accent6">
                   <a:lumMod val="75000"/>
@@ -3304,7 +3319,7 @@
         </p:blipFill>
         <p:spPr>
           <a:xfrm>
-            <a:off x="7143286" y="1709479"/>
+            <a:off x="7484108" y="1473931"/>
             <a:ext cx="944255" cy="859489"/>
           </a:xfrm>
           <a:prstGeom prst="rect">
@@ -3393,7 +3408,7 @@
         </p:blipFill>
         <p:spPr>
           <a:xfrm>
-            <a:off x="5471970" y="1700634"/>
+            <a:off x="5873560" y="1458011"/>
             <a:ext cx="1501486" cy="977911"/>
           </a:xfrm>
           <a:prstGeom prst="rect">
@@ -3450,8 +3465,8 @@
         </p:nvSpPr>
         <p:spPr>
           <a:xfrm>
-            <a:off x="5270772" y="4866663"/>
-            <a:ext cx="1666418" cy="369332"/>
+            <a:off x="5872619" y="4770176"/>
+            <a:ext cx="1724126" cy="400110"/>
           </a:xfrm>
           <a:prstGeom prst="rect">
             <a:avLst/>
@@ -3463,6 +3478,16 @@
           </a:bodyPr>
           <a:lstStyle/>
           <a:p>
+            <a:r>
+              <a:rPr lang="en-US" altLang="ko-KR" sz="2000" b="1" dirty="0" smtClean="0">
+                <a:solidFill>
+                  <a:schemeClr val="accent6">
+                    <a:lumMod val="75000"/>
+                  </a:schemeClr>
+                </a:solidFill>
+              </a:rPr>
+              <a:t>Data</a:t>
+            </a:r>
             <a:r>
               <a:rPr lang="en-US" altLang="ko-KR" b="1" dirty="0" smtClean="0">
                 <a:solidFill>
@@ -3471,17 +3496,7 @@
                   </a:schemeClr>
                 </a:solidFill>
               </a:rPr>
-              <a:t>Data </a:t>
-            </a:r>
-            <a:r>
-              <a:rPr lang="en-US" altLang="ko-KR" b="1" dirty="0" smtClean="0">
-                <a:solidFill>
-                  <a:schemeClr val="accent6">
-                    <a:lumMod val="75000"/>
-                  </a:schemeClr>
-                </a:solidFill>
-              </a:rPr>
-              <a:t>Formats</a:t>
+              <a:t> Formats</a:t>
             </a:r>
             <a:endParaRPr lang="ko-KR" altLang="en-US" b="1" dirty="0">
               <a:solidFill>
@@ -3581,7 +3596,7 @@
         </p:blipFill>
         <p:spPr>
           <a:xfrm>
-            <a:off x="8190540" y="1676659"/>
+            <a:off x="8656052" y="1441195"/>
             <a:ext cx="1176553" cy="892309"/>
           </a:xfrm>
           <a:prstGeom prst="rect">
@@ -3605,8 +3620,32 @@
         </p:blipFill>
         <p:spPr>
           <a:xfrm>
-            <a:off x="5316832" y="3570219"/>
+            <a:off x="5873560" y="3331645"/>
             <a:ext cx="1113457" cy="1030743"/>
+          </a:xfrm>
+          <a:prstGeom prst="rect">
+            <a:avLst/>
+          </a:prstGeom>
+        </p:spPr>
+      </p:pic>
+      <p:pic>
+        <p:nvPicPr>
+          <p:cNvPr id="4" name="그림 3"/>
+          <p:cNvPicPr>
+            <a:picLocks noChangeAspect="1"/>
+          </p:cNvPicPr>
+          <p:nvPr/>
+        </p:nvPicPr>
+        <p:blipFill>
+          <a:blip r:embed="rId15"/>
+          <a:stretch>
+            <a:fillRect/>
+          </a:stretch>
+        </p:blipFill>
+        <p:spPr>
+          <a:xfrm>
+            <a:off x="3851030" y="3570219"/>
+            <a:ext cx="968526" cy="954490"/>
           </a:xfrm>
           <a:prstGeom prst="rect">
             <a:avLst/>

--- a/resource/30.analysis/320.environment/321.프로젝트 개발환경분석서.pptx
+++ b/resource/30.analysis/320.environment/321.프로젝트 개발환경분석서.pptx
@@ -3067,7 +3067,7 @@
         </p:blipFill>
         <p:spPr>
           <a:xfrm>
-            <a:off x="6928344" y="5170286"/>
+            <a:off x="6849425" y="5270038"/>
             <a:ext cx="940016" cy="1440900"/>
           </a:xfrm>
           <a:prstGeom prst="rect">
@@ -3148,7 +3148,7 @@
         </p:blipFill>
         <p:spPr>
           <a:xfrm>
-            <a:off x="5863646" y="5342193"/>
+            <a:off x="5784727" y="5441945"/>
             <a:ext cx="1021441" cy="1021441"/>
           </a:xfrm>
           <a:prstGeom prst="rect">
@@ -3178,7 +3178,7 @@
         </p:blipFill>
         <p:spPr>
           <a:xfrm>
-            <a:off x="393879" y="3666908"/>
+            <a:off x="5872619" y="3248607"/>
             <a:ext cx="782023" cy="782023"/>
           </a:xfrm>
           <a:prstGeom prst="rect">
@@ -3194,7 +3194,7 @@
         </p:nvSpPr>
         <p:spPr>
           <a:xfrm>
-            <a:off x="5833931" y="2920430"/>
+            <a:off x="307777" y="3151148"/>
             <a:ext cx="1080873" cy="400110"/>
           </a:xfrm>
           <a:prstGeom prst="rect">
@@ -3271,7 +3271,7 @@
         </p:blipFill>
         <p:spPr>
           <a:xfrm>
-            <a:off x="355748" y="5232300"/>
+            <a:off x="355533" y="5340119"/>
             <a:ext cx="809738" cy="1095528"/>
           </a:xfrm>
           <a:prstGeom prst="rect">
@@ -3295,7 +3295,7 @@
         </p:blipFill>
         <p:spPr>
           <a:xfrm>
-            <a:off x="2290764" y="5232300"/>
+            <a:off x="2290549" y="5340119"/>
             <a:ext cx="910747" cy="1064220"/>
           </a:xfrm>
           <a:prstGeom prst="rect">
@@ -3319,7 +3319,7 @@
         </p:blipFill>
         <p:spPr>
           <a:xfrm>
-            <a:off x="7484108" y="1473931"/>
+            <a:off x="7642050" y="1473931"/>
             <a:ext cx="944255" cy="859489"/>
           </a:xfrm>
           <a:prstGeom prst="rect">
@@ -3359,7 +3359,7 @@
         </p:nvSpPr>
         <p:spPr>
           <a:xfrm>
-            <a:off x="347621" y="4900277"/>
+            <a:off x="347406" y="5008096"/>
             <a:ext cx="1219501" cy="400110"/>
           </a:xfrm>
           <a:prstGeom prst="rect">
@@ -3392,9 +3392,101 @@
           </a:p>
         </p:txBody>
       </p:sp>
+      <p:sp>
+        <p:nvSpPr>
+          <p:cNvPr id="33" name="직사각형 32"/>
+          <p:cNvSpPr/>
+          <p:nvPr/>
+        </p:nvSpPr>
+        <p:spPr>
+          <a:xfrm>
+            <a:off x="5824448" y="2751808"/>
+            <a:ext cx="814967" cy="400110"/>
+          </a:xfrm>
+          <a:prstGeom prst="rect">
+            <a:avLst/>
+          </a:prstGeom>
+        </p:spPr>
+        <p:txBody>
+          <a:bodyPr wrap="none">
+            <a:spAutoFit/>
+          </a:bodyPr>
+          <a:lstStyle/>
+          <a:p>
+            <a:r>
+              <a:rPr lang="en-US" altLang="ko-KR" sz="2000" b="1" dirty="0" smtClean="0">
+                <a:solidFill>
+                  <a:schemeClr val="accent6">
+                    <a:lumMod val="75000"/>
+                  </a:schemeClr>
+                </a:solidFill>
+              </a:rPr>
+              <a:t>Tools</a:t>
+            </a:r>
+            <a:endParaRPr lang="ko-KR" altLang="en-US" sz="2000" b="1" dirty="0">
+              <a:solidFill>
+                <a:schemeClr val="accent6">
+                  <a:lumMod val="75000"/>
+                </a:schemeClr>
+              </a:solidFill>
+            </a:endParaRPr>
+          </a:p>
+        </p:txBody>
+      </p:sp>
+      <p:sp>
+        <p:nvSpPr>
+          <p:cNvPr id="34" name="직사각형 33"/>
+          <p:cNvSpPr/>
+          <p:nvPr/>
+        </p:nvSpPr>
+        <p:spPr>
+          <a:xfrm>
+            <a:off x="5793700" y="4869928"/>
+            <a:ext cx="1724126" cy="400110"/>
+          </a:xfrm>
+          <a:prstGeom prst="rect">
+            <a:avLst/>
+          </a:prstGeom>
+        </p:spPr>
+        <p:txBody>
+          <a:bodyPr wrap="none">
+            <a:spAutoFit/>
+          </a:bodyPr>
+          <a:lstStyle/>
+          <a:p>
+            <a:r>
+              <a:rPr lang="en-US" altLang="ko-KR" sz="2000" b="1" dirty="0" smtClean="0">
+                <a:solidFill>
+                  <a:schemeClr val="accent6">
+                    <a:lumMod val="75000"/>
+                  </a:schemeClr>
+                </a:solidFill>
+              </a:rPr>
+              <a:t>Data</a:t>
+            </a:r>
+            <a:r>
+              <a:rPr lang="en-US" altLang="ko-KR" b="1" dirty="0" smtClean="0">
+                <a:solidFill>
+                  <a:schemeClr val="accent6">
+                    <a:lumMod val="75000"/>
+                  </a:schemeClr>
+                </a:solidFill>
+              </a:rPr>
+              <a:t> Formats</a:t>
+            </a:r>
+            <a:endParaRPr lang="ko-KR" altLang="en-US" b="1" dirty="0">
+              <a:solidFill>
+                <a:schemeClr val="accent6">
+                  <a:lumMod val="75000"/>
+                </a:schemeClr>
+              </a:solidFill>
+            </a:endParaRPr>
+          </a:p>
+        </p:txBody>
+      </p:sp>
       <p:pic>
         <p:nvPicPr>
-          <p:cNvPr id="31" name="그림 30"/>
+          <p:cNvPr id="36" name="그림 35"/>
           <p:cNvPicPr>
             <a:picLocks noChangeAspect="1"/>
           </p:cNvPicPr>
@@ -3408,109 +3500,17 @@
         </p:blipFill>
         <p:spPr>
           <a:xfrm>
-            <a:off x="5873560" y="1458011"/>
-            <a:ext cx="1501486" cy="977911"/>
+            <a:off x="347621" y="1667814"/>
+            <a:ext cx="2497641" cy="1252616"/>
           </a:xfrm>
           <a:prstGeom prst="rect">
             <a:avLst/>
           </a:prstGeom>
         </p:spPr>
       </p:pic>
-      <p:sp>
-        <p:nvSpPr>
-          <p:cNvPr id="33" name="직사각형 32"/>
-          <p:cNvSpPr/>
-          <p:nvPr/>
-        </p:nvSpPr>
-        <p:spPr>
-          <a:xfrm>
-            <a:off x="437151" y="3170109"/>
-            <a:ext cx="814967" cy="400110"/>
-          </a:xfrm>
-          <a:prstGeom prst="rect">
-            <a:avLst/>
-          </a:prstGeom>
-        </p:spPr>
-        <p:txBody>
-          <a:bodyPr wrap="none">
-            <a:spAutoFit/>
-          </a:bodyPr>
-          <a:lstStyle/>
-          <a:p>
-            <a:r>
-              <a:rPr lang="en-US" altLang="ko-KR" sz="2000" b="1" dirty="0" smtClean="0">
-                <a:solidFill>
-                  <a:schemeClr val="accent6">
-                    <a:lumMod val="75000"/>
-                  </a:schemeClr>
-                </a:solidFill>
-              </a:rPr>
-              <a:t>Tools</a:t>
-            </a:r>
-            <a:endParaRPr lang="ko-KR" altLang="en-US" sz="2000" b="1" dirty="0">
-              <a:solidFill>
-                <a:schemeClr val="accent6">
-                  <a:lumMod val="75000"/>
-                </a:schemeClr>
-              </a:solidFill>
-            </a:endParaRPr>
-          </a:p>
-        </p:txBody>
-      </p:sp>
-      <p:sp>
-        <p:nvSpPr>
-          <p:cNvPr id="34" name="직사각형 33"/>
-          <p:cNvSpPr/>
-          <p:nvPr/>
-        </p:nvSpPr>
-        <p:spPr>
-          <a:xfrm>
-            <a:off x="5872619" y="4770176"/>
-            <a:ext cx="1724126" cy="400110"/>
-          </a:xfrm>
-          <a:prstGeom prst="rect">
-            <a:avLst/>
-          </a:prstGeom>
-        </p:spPr>
-        <p:txBody>
-          <a:bodyPr wrap="none">
-            <a:spAutoFit/>
-          </a:bodyPr>
-          <a:lstStyle/>
-          <a:p>
-            <a:r>
-              <a:rPr lang="en-US" altLang="ko-KR" sz="2000" b="1" dirty="0" smtClean="0">
-                <a:solidFill>
-                  <a:schemeClr val="accent6">
-                    <a:lumMod val="75000"/>
-                  </a:schemeClr>
-                </a:solidFill>
-              </a:rPr>
-              <a:t>Data</a:t>
-            </a:r>
-            <a:r>
-              <a:rPr lang="en-US" altLang="ko-KR" b="1" dirty="0" smtClean="0">
-                <a:solidFill>
-                  <a:schemeClr val="accent6">
-                    <a:lumMod val="75000"/>
-                  </a:schemeClr>
-                </a:solidFill>
-              </a:rPr>
-              <a:t> Formats</a:t>
-            </a:r>
-            <a:endParaRPr lang="ko-KR" altLang="en-US" b="1" dirty="0">
-              <a:solidFill>
-                <a:schemeClr val="accent6">
-                  <a:lumMod val="75000"/>
-                </a:schemeClr>
-              </a:solidFill>
-            </a:endParaRPr>
-          </a:p>
-        </p:txBody>
-      </p:sp>
       <p:pic>
         <p:nvPicPr>
-          <p:cNvPr id="36" name="그림 35"/>
+          <p:cNvPr id="38" name="그림 37"/>
           <p:cNvPicPr>
             <a:picLocks noChangeAspect="1"/>
           </p:cNvPicPr>
@@ -3524,8 +3524,8 @@
         </p:blipFill>
         <p:spPr>
           <a:xfrm>
-            <a:off x="347621" y="1667814"/>
-            <a:ext cx="2497641" cy="1252616"/>
+            <a:off x="1210590" y="5408206"/>
+            <a:ext cx="943107" cy="1105054"/>
           </a:xfrm>
           <a:prstGeom prst="rect">
             <a:avLst/>
@@ -3534,7 +3534,7 @@
       </p:pic>
       <p:pic>
         <p:nvPicPr>
-          <p:cNvPr id="37" name="그림 36"/>
+          <p:cNvPr id="40" name="그림 39"/>
           <p:cNvPicPr>
             <a:picLocks noChangeAspect="1"/>
           </p:cNvPicPr>
@@ -3548,8 +3548,8 @@
         </p:blipFill>
         <p:spPr>
           <a:xfrm>
-            <a:off x="1257203" y="3575070"/>
-            <a:ext cx="2512526" cy="926150"/>
+            <a:off x="8813994" y="1441195"/>
+            <a:ext cx="1176553" cy="892309"/>
           </a:xfrm>
           <a:prstGeom prst="rect">
             <a:avLst/>
@@ -3558,7 +3558,7 @@
       </p:pic>
       <p:pic>
         <p:nvPicPr>
-          <p:cNvPr id="38" name="그림 37"/>
+          <p:cNvPr id="41" name="그림 40"/>
           <p:cNvPicPr>
             <a:picLocks noChangeAspect="1"/>
           </p:cNvPicPr>
@@ -3572,8 +3572,8 @@
         </p:blipFill>
         <p:spPr>
           <a:xfrm>
-            <a:off x="1210805" y="5300387"/>
-            <a:ext cx="943107" cy="1105054"/>
+            <a:off x="314154" y="3562363"/>
+            <a:ext cx="1113457" cy="1030743"/>
           </a:xfrm>
           <a:prstGeom prst="rect">
             <a:avLst/>
@@ -3582,7 +3582,7 @@
       </p:pic>
       <p:pic>
         <p:nvPicPr>
-          <p:cNvPr id="40" name="그림 39"/>
+          <p:cNvPr id="4" name="그림 3"/>
           <p:cNvPicPr>
             <a:picLocks noChangeAspect="1"/>
           </p:cNvPicPr>
@@ -3596,8 +3596,8 @@
         </p:blipFill>
         <p:spPr>
           <a:xfrm>
-            <a:off x="8656052" y="1441195"/>
-            <a:ext cx="1176553" cy="892309"/>
+            <a:off x="7956235" y="3209232"/>
+            <a:ext cx="968526" cy="954490"/>
           </a:xfrm>
           <a:prstGeom prst="rect">
             <a:avLst/>
@@ -3606,7 +3606,7 @@
       </p:pic>
       <p:pic>
         <p:nvPicPr>
-          <p:cNvPr id="41" name="그림 40"/>
+          <p:cNvPr id="3" name="그림 2"/>
           <p:cNvPicPr>
             <a:picLocks noChangeAspect="1"/>
           </p:cNvPicPr>
@@ -3620,8 +3620,8 @@
         </p:blipFill>
         <p:spPr>
           <a:xfrm>
-            <a:off x="5873560" y="3331645"/>
-            <a:ext cx="1113457" cy="1030743"/>
+            <a:off x="9059961" y="3467034"/>
+            <a:ext cx="1584202" cy="696571"/>
           </a:xfrm>
           <a:prstGeom prst="rect">
             <a:avLst/>
@@ -3630,7 +3630,7 @@
       </p:pic>
       <p:pic>
         <p:nvPicPr>
-          <p:cNvPr id="4" name="그림 3"/>
+          <p:cNvPr id="6" name="그림 5"/>
           <p:cNvPicPr>
             <a:picLocks noChangeAspect="1"/>
           </p:cNvPicPr>
@@ -3644,8 +3644,32 @@
         </p:blipFill>
         <p:spPr>
           <a:xfrm>
-            <a:off x="3851030" y="3570219"/>
-            <a:ext cx="968526" cy="954490"/>
+            <a:off x="6834783" y="3209232"/>
+            <a:ext cx="1039722" cy="954316"/>
+          </a:xfrm>
+          <a:prstGeom prst="rect">
+            <a:avLst/>
+          </a:prstGeom>
+        </p:spPr>
+      </p:pic>
+      <p:pic>
+        <p:nvPicPr>
+          <p:cNvPr id="7" name="그림 6"/>
+          <p:cNvPicPr>
+            <a:picLocks noChangeAspect="1"/>
+          </p:cNvPicPr>
+          <p:nvPr/>
+        </p:nvPicPr>
+        <p:blipFill>
+          <a:blip r:embed="rId16"/>
+          <a:stretch>
+            <a:fillRect/>
+          </a:stretch>
+        </p:blipFill>
+        <p:spPr>
+          <a:xfrm>
+            <a:off x="5855876" y="1598260"/>
+            <a:ext cx="1664209" cy="648393"/>
           </a:xfrm>
           <a:prstGeom prst="rect">
             <a:avLst/>
@@ -3682,25 +3706,6 @@
           <a:chExt cx="0" cy="0"/>
         </a:xfrm>
       </p:grpSpPr>
-      <p:sp>
-        <p:nvSpPr>
-          <p:cNvPr id="2" name="제목 1"/>
-          <p:cNvSpPr>
-            <a:spLocks noGrp="1"/>
-          </p:cNvSpPr>
-          <p:nvPr>
-            <p:ph type="title"/>
-          </p:nvPr>
-        </p:nvSpPr>
-        <p:spPr/>
-        <p:txBody>
-          <a:bodyPr/>
-          <a:lstStyle/>
-          <a:p>
-            <a:endParaRPr lang="ko-KR" altLang="en-US"/>
-          </a:p>
-        </p:txBody>
-      </p:sp>
       <p:graphicFrame>
         <p:nvGraphicFramePr>
           <p:cNvPr id="4" name="내용 개체 틀 3"/>
@@ -3711,14 +3716,14 @@
             <p:ph idx="1"/>
             <p:extLst>
               <p:ext uri="{D42A27DB-BD31-4B8C-83A1-F6EECF244321}">
-                <p14:modId xmlns:p14="http://schemas.microsoft.com/office/powerpoint/2010/main" val="3519511234"/>
+                <p14:modId xmlns:p14="http://schemas.microsoft.com/office/powerpoint/2010/main" val="145709586"/>
               </p:ext>
             </p:extLst>
           </p:nvPr>
         </p:nvGraphicFramePr>
         <p:xfrm>
-          <a:off x="838200" y="2721134"/>
-          <a:ext cx="10515600" cy="2560320"/>
+          <a:off x="838200" y="667889"/>
+          <a:ext cx="10515600" cy="2468880"/>
         </p:xfrm>
         <a:graphic>
           <a:graphicData uri="http://schemas.openxmlformats.org/drawingml/2006/table">
@@ -3747,7 +3752,7 @@
                     <a:lstStyle/>
                     <a:p>
                       <a:r>
-                        <a:rPr lang="ko-KR" altLang="en-US" dirty="0"/>
+                        <a:rPr lang="ko-KR" altLang="en-US" b="1" dirty="0"/>
                         <a:t>분류</a:t>
                       </a:r>
                     </a:p>
@@ -3773,7 +3778,7 @@
                     <a:lstStyle/>
                     <a:p>
                       <a:r>
-                        <a:rPr lang="ko-KR" altLang="en-US"/>
+                        <a:rPr lang="ko-KR" altLang="en-US" b="1" dirty="0"/>
                         <a:t>항목</a:t>
                       </a:r>
                     </a:p>
@@ -3806,10 +3811,10 @@
                     <a:lstStyle/>
                     <a:p>
                       <a:r>
-                        <a:rPr lang="en-US" altLang="ko-KR" dirty="0" smtClean="0"/>
+                        <a:rPr lang="en-US" altLang="ko-KR" sz="1700" dirty="0" smtClean="0"/>
                         <a:t>Programming Languages</a:t>
                       </a:r>
-                      <a:endParaRPr lang="ko-KR" altLang="en-US" dirty="0"/>
+                      <a:endParaRPr lang="ko-KR" altLang="en-US" sz="1700" dirty="0"/>
                     </a:p>
                   </a:txBody>
                   <a:tcPr anchor="ctr">
@@ -3833,7 +3838,7 @@
                     <a:lstStyle/>
                     <a:p>
                       <a:r>
-                        <a:rPr lang="en-US"/>
+                        <a:rPr lang="en-US" sz="1700" dirty="0"/>
                         <a:t>HTML, CSS, Java, JavaScript</a:t>
                       </a:r>
                     </a:p>
@@ -3866,10 +3871,10 @@
                     <a:lstStyle/>
                     <a:p>
                       <a:r>
-                        <a:rPr lang="en-US" altLang="ko-KR" dirty="0" smtClean="0"/>
+                        <a:rPr lang="en-US" altLang="ko-KR" sz="1700" dirty="0" smtClean="0"/>
                         <a:t>Tools</a:t>
                       </a:r>
-                      <a:endParaRPr lang="ko-KR" altLang="en-US" dirty="0"/>
+                      <a:endParaRPr lang="ko-KR" altLang="en-US" sz="1700" dirty="0"/>
                     </a:p>
                   </a:txBody>
                   <a:tcPr anchor="ctr">
@@ -3893,7 +3898,7 @@
                     <a:lstStyle/>
                     <a:p>
                       <a:r>
-                        <a:rPr lang="en-US"/>
+                        <a:rPr lang="en-US" sz="1700" dirty="0"/>
                         <a:t>Eclipse, GitHub</a:t>
                       </a:r>
                     </a:p>
@@ -3926,10 +3931,10 @@
                     <a:lstStyle/>
                     <a:p>
                       <a:r>
-                        <a:rPr lang="en-US" altLang="ko-KR" dirty="0" smtClean="0"/>
+                        <a:rPr lang="en-US" altLang="ko-KR" sz="1700" dirty="0" smtClean="0"/>
                         <a:t>Libraries</a:t>
                       </a:r>
-                      <a:endParaRPr lang="ko-KR" altLang="en-US" dirty="0"/>
+                      <a:endParaRPr lang="ko-KR" altLang="en-US" sz="1700" dirty="0"/>
                     </a:p>
                   </a:txBody>
                   <a:tcPr anchor="ctr">
@@ -3953,7 +3958,7 @@
                     <a:lstStyle/>
                     <a:p>
                       <a:r>
-                        <a:rPr lang="en-US"/>
+                        <a:rPr lang="en-US" sz="1700" dirty="0"/>
                         <a:t>jQuery, Bootstrap, JSTL</a:t>
                       </a:r>
                     </a:p>
@@ -3986,10 +3991,10 @@
                     <a:lstStyle/>
                     <a:p>
                       <a:r>
-                        <a:rPr lang="en-US" altLang="ko-KR" dirty="0" smtClean="0"/>
+                        <a:rPr lang="en-US" altLang="ko-KR" sz="1700" dirty="0" smtClean="0"/>
                         <a:t>Databases &amp; Frameworks</a:t>
                       </a:r>
-                      <a:endParaRPr lang="ko-KR" altLang="en-US" dirty="0"/>
+                      <a:endParaRPr lang="ko-KR" altLang="en-US" sz="1700" dirty="0"/>
                     </a:p>
                   </a:txBody>
                   <a:tcPr anchor="ctr">
@@ -4013,18 +4018,18 @@
                     <a:lstStyle/>
                     <a:p>
                       <a:r>
-                        <a:rPr lang="en-US" dirty="0"/>
+                        <a:rPr lang="en-US" sz="1700" dirty="0"/>
                         <a:t>Oracle, </a:t>
                       </a:r>
                       <a:r>
-                        <a:rPr lang="en-US" dirty="0" smtClean="0"/>
+                        <a:rPr lang="en-US" sz="1700" dirty="0" smtClean="0"/>
                         <a:t>Spring, </a:t>
                       </a:r>
                       <a:r>
-                        <a:rPr lang="en-US" altLang="ko-KR" dirty="0" err="1" smtClean="0"/>
+                        <a:rPr lang="en-US" altLang="ko-KR" sz="1700" dirty="0" err="1" smtClean="0"/>
                         <a:t>MyBatis</a:t>
                       </a:r>
-                      <a:endParaRPr lang="en-US" dirty="0"/>
+                      <a:endParaRPr lang="en-US" sz="1700" dirty="0"/>
                     </a:p>
                   </a:txBody>
                   <a:tcPr anchor="ctr">
@@ -4055,10 +4060,10 @@
                     <a:lstStyle/>
                     <a:p>
                       <a:r>
-                        <a:rPr lang="en-US" altLang="ko-KR" dirty="0" smtClean="0"/>
+                        <a:rPr lang="en-US" altLang="ko-KR" sz="1700" dirty="0" smtClean="0"/>
                         <a:t>Servers</a:t>
                       </a:r>
-                      <a:endParaRPr lang="ko-KR" altLang="en-US" dirty="0"/>
+                      <a:endParaRPr lang="ko-KR" altLang="en-US" sz="1700" dirty="0"/>
                     </a:p>
                   </a:txBody>
                   <a:tcPr anchor="ctr">
@@ -4082,7 +4087,7 @@
                     <a:lstStyle/>
                     <a:p>
                       <a:r>
-                        <a:rPr lang="en-US"/>
+                        <a:rPr lang="en-US" sz="1700" dirty="0"/>
                         <a:t>Tomcat</a:t>
                       </a:r>
                     </a:p>
@@ -4115,10 +4120,10 @@
                     <a:lstStyle/>
                     <a:p>
                       <a:r>
-                        <a:rPr lang="en-US" altLang="ko-KR" dirty="0" smtClean="0"/>
+                        <a:rPr lang="en-US" altLang="ko-KR" sz="1700" dirty="0" smtClean="0"/>
                         <a:t>Formats</a:t>
                       </a:r>
-                      <a:endParaRPr lang="ko-KR" altLang="en-US" dirty="0"/>
+                      <a:endParaRPr lang="ko-KR" altLang="en-US" sz="1700" dirty="0"/>
                     </a:p>
                   </a:txBody>
                   <a:tcPr anchor="ctr">
@@ -4142,7 +4147,7 @@
                     <a:lstStyle/>
                     <a:p>
                       <a:r>
-                        <a:rPr lang="en-US" dirty="0"/>
+                        <a:rPr lang="en-US" sz="1700" dirty="0"/>
                         <a:t>JSON, XML</a:t>
                       </a:r>
                     </a:p>

--- a/resource/30.analysis/320.environment/321.프로젝트 개발환경분석서.pptx
+++ b/resource/30.analysis/320.environment/321.프로젝트 개발환경분석서.pptx
@@ -1,12 +1,12 @@
 
 <file path=ppt/presentation.xml><?xml version="1.0" encoding="utf-8"?>
-<p:presentation xmlns:a="http://schemas.openxmlformats.org/drawingml/2006/main" xmlns:r="http://schemas.openxmlformats.org/officeDocument/2006/relationships" xmlns:p="http://schemas.openxmlformats.org/presentationml/2006/main" saveSubsetFonts="1">
+<p:presentation xmlns:r="http://schemas.openxmlformats.org/officeDocument/2006/relationships" xmlns:c="http://schemas.openxmlformats.org/drawingml/2006/chart" xmlns:a="http://schemas.openxmlformats.org/drawingml/2006/main" xmlns:dgm="http://schemas.openxmlformats.org/drawingml/2006/diagram" xmlns:dsp="http://schemas.microsoft.com/office/drawing/2008/diagram" xmlns:p="http://schemas.openxmlformats.org/presentationml/2006/main" saveSubsetFonts="1">
   <p:sldMasterIdLst>
-    <p:sldMasterId id="2147483648" r:id="rId1"/>
+    <p:sldMasterId id="2147483661" r:id="rId1"/>
   </p:sldMasterIdLst>
   <p:sldIdLst>
-    <p:sldId id="257" r:id="rId2"/>
-    <p:sldId id="258" r:id="rId3"/>
+    <p:sldId id="256" r:id="rId2"/>
+    <p:sldId id="257" r:id="rId3"/>
   </p:sldIdLst>
   <p:sldSz cx="12192000" cy="6858000"/>
   <p:notesSz cx="6858000" cy="9144000"/>
@@ -105,11 +105,6 @@
       </a:defRPr>
     </a:lvl9pPr>
   </p:defaultTextStyle>
-  <p:extLst>
-    <p:ext uri="{EFAFB233-063F-42B5-8137-9DF3F51BA10A}">
-      <p15:sldGuideLst xmlns:p15="http://schemas.microsoft.com/office/powerpoint/2012/main"/>
-    </p:ext>
-  </p:extLst>
 </p:presentation>
 </file>
 
@@ -2954,7 +2949,7 @@
 </file>
 
 <file path=ppt/slides/slide1.xml><?xml version="1.0" encoding="utf-8"?>
-<p:sld xmlns:a="http://schemas.openxmlformats.org/drawingml/2006/main" xmlns:r="http://schemas.openxmlformats.org/officeDocument/2006/relationships" xmlns:p="http://schemas.openxmlformats.org/presentationml/2006/main">
+<p:sld xmlns:r="http://schemas.openxmlformats.org/officeDocument/2006/relationships" xmlns:c="http://schemas.openxmlformats.org/drawingml/2006/chart" xmlns:a="http://schemas.openxmlformats.org/drawingml/2006/main" xmlns:dgm="http://schemas.openxmlformats.org/drawingml/2006/diagram" xmlns:dsp="http://schemas.microsoft.com/office/drawing/2008/diagram" xmlns:p="http://schemas.openxmlformats.org/presentationml/2006/main">
   <p:cSld>
     <p:spTree>
       <p:nvGrpSpPr>
@@ -2977,7 +2972,7 @@
             <a:spLocks noGrp="1"/>
           </p:cNvSpPr>
           <p:nvPr>
-            <p:ph type="title"/>
+            <p:ph type="title" idx="0"/>
           </p:nvPr>
         </p:nvSpPr>
         <p:spPr>
@@ -2990,8 +2985,11 @@
           <a:bodyPr/>
           <a:lstStyle/>
           <a:p>
-            <a:r>
-              <a:rPr lang="ko-KR" altLang="en-US" b="1" dirty="0" smtClean="0">
+            <a:pPr lvl="0">
+              <a:defRPr/>
+            </a:pPr>
+            <a:r>
+              <a:rPr lang="ko-KR" altLang="en-US" b="1">
                 <a:solidFill>
                   <a:schemeClr val="accent6">
                     <a:lumMod val="75000"/>
@@ -3000,7 +2998,7 @@
               </a:rPr>
               <a:t>프로젝트 개발환경</a:t>
             </a:r>
-            <a:endParaRPr lang="ko-KR" altLang="en-US" b="1" dirty="0">
+            <a:endParaRPr lang="ko-KR" altLang="en-US" b="1">
               <a:solidFill>
                 <a:schemeClr val="accent6">
                   <a:lumMod val="75000"/>
@@ -3031,8 +3029,11 @@
           </a:bodyPr>
           <a:lstStyle/>
           <a:p>
-            <a:r>
-              <a:rPr lang="en-US" altLang="ko-KR" sz="2000" b="1" dirty="0" smtClean="0">
+            <a:pPr lvl="0">
+              <a:defRPr/>
+            </a:pPr>
+            <a:r>
+              <a:rPr lang="en-US" altLang="ko-KR" sz="2000" b="1">
                 <a:solidFill>
                   <a:schemeClr val="accent6">
                     <a:lumMod val="75000"/>
@@ -3041,7 +3042,7 @@
               </a:rPr>
               <a:t>Programming Languages</a:t>
             </a:r>
-            <a:endParaRPr lang="ko-KR" altLang="en-US" sz="2000" b="1" dirty="0">
+            <a:endParaRPr lang="ko-KR" altLang="en-US" sz="2000" b="1">
               <a:solidFill>
                 <a:schemeClr val="accent6">
                   <a:lumMod val="75000"/>
@@ -3059,7 +3060,7 @@
           </p:cNvPicPr>
           <p:nvPr/>
         </p:nvPicPr>
-        <p:blipFill>
+        <p:blipFill rotWithShape="1">
           <a:blip r:embed="rId2"/>
           <a:stretch>
             <a:fillRect/>
@@ -3067,7 +3068,7 @@
         </p:blipFill>
         <p:spPr>
           <a:xfrm>
-            <a:off x="6849425" y="5270038"/>
+            <a:off x="6096000" y="5252234"/>
             <a:ext cx="940016" cy="1440900"/>
           </a:xfrm>
           <a:prstGeom prst="rect">
@@ -3096,8 +3097,11 @@
           </a:bodyPr>
           <a:lstStyle/>
           <a:p>
-            <a:r>
-              <a:rPr lang="en-US" altLang="ko-KR" b="1" dirty="0" smtClean="0">
+            <a:pPr lvl="0">
+              <a:defRPr/>
+            </a:pPr>
+            <a:r>
+              <a:rPr lang="en-US" altLang="ko-KR" b="1">
                 <a:solidFill>
                   <a:schemeClr val="accent6">
                     <a:lumMod val="75000"/>
@@ -3107,7 +3111,7 @@
               <a:t>Databases &amp; </a:t>
             </a:r>
             <a:r>
-              <a:rPr lang="en-US" altLang="ko-KR" sz="2000" b="1" dirty="0" smtClean="0">
+              <a:rPr lang="en-US" altLang="ko-KR" sz="2000" b="1">
                 <a:solidFill>
                   <a:schemeClr val="accent6">
                     <a:lumMod val="75000"/>
@@ -3116,7 +3120,7 @@
               </a:rPr>
               <a:t>Frameworks</a:t>
             </a:r>
-            <a:endParaRPr lang="ko-KR" altLang="en-US" sz="2000" b="1" dirty="0">
+            <a:endParaRPr lang="ko-KR" altLang="en-US" sz="2000" b="1">
               <a:solidFill>
                 <a:schemeClr val="accent6">
                   <a:lumMod val="75000"/>
@@ -3126,89 +3130,32 @@
           </a:p>
         </p:txBody>
       </p:sp>
-      <p:pic>
-        <p:nvPicPr>
-          <p:cNvPr id="16" name="그림 15"/>
-          <p:cNvPicPr>
-            <a:picLocks noChangeAspect="1"/>
-          </p:cNvPicPr>
+      <p:sp>
+        <p:nvSpPr>
+          <p:cNvPr id="21" name="직사각형 20"/>
+          <p:cNvSpPr/>
           <p:nvPr/>
-        </p:nvPicPr>
-        <p:blipFill>
-          <a:blip r:embed="rId3" cstate="print">
-            <a:extLst>
-              <a:ext uri="{28A0092B-C50C-407E-A947-70E740481C1C}">
-                <a14:useLocalDpi xmlns:a14="http://schemas.microsoft.com/office/drawing/2010/main" val="0"/>
-              </a:ext>
-            </a:extLst>
-          </a:blip>
-          <a:stretch>
-            <a:fillRect/>
-          </a:stretch>
-        </p:blipFill>
-        <p:spPr>
-          <a:xfrm>
-            <a:off x="5784727" y="5441945"/>
-            <a:ext cx="1021441" cy="1021441"/>
+        </p:nvSpPr>
+        <p:spPr>
+          <a:xfrm>
+            <a:off x="307777" y="3151148"/>
+            <a:ext cx="1080873" cy="400110"/>
           </a:xfrm>
           <a:prstGeom prst="rect">
             <a:avLst/>
           </a:prstGeom>
         </p:spPr>
-      </p:pic>
-      <p:pic>
-        <p:nvPicPr>
-          <p:cNvPr id="20" name="그림 19"/>
-          <p:cNvPicPr>
-            <a:picLocks noChangeAspect="1"/>
-          </p:cNvPicPr>
-          <p:nvPr/>
-        </p:nvPicPr>
-        <p:blipFill>
-          <a:blip r:embed="rId4" cstate="print">
-            <a:extLst>
-              <a:ext uri="{28A0092B-C50C-407E-A947-70E740481C1C}">
-                <a14:useLocalDpi xmlns:a14="http://schemas.microsoft.com/office/drawing/2010/main" val="0"/>
-              </a:ext>
-            </a:extLst>
-          </a:blip>
-          <a:stretch>
-            <a:fillRect/>
-          </a:stretch>
-        </p:blipFill>
-        <p:spPr>
-          <a:xfrm>
-            <a:off x="5872619" y="3248607"/>
-            <a:ext cx="782023" cy="782023"/>
-          </a:xfrm>
-          <a:prstGeom prst="rect">
-            <a:avLst/>
-          </a:prstGeom>
-        </p:spPr>
-      </p:pic>
-      <p:sp>
-        <p:nvSpPr>
-          <p:cNvPr id="21" name="직사각형 20"/>
-          <p:cNvSpPr/>
-          <p:nvPr/>
-        </p:nvSpPr>
-        <p:spPr>
-          <a:xfrm>
-            <a:off x="307777" y="3151148"/>
-            <a:ext cx="1080873" cy="400110"/>
-          </a:xfrm>
-          <a:prstGeom prst="rect">
-            <a:avLst/>
-          </a:prstGeom>
-        </p:spPr>
         <p:txBody>
           <a:bodyPr wrap="none">
             <a:spAutoFit/>
           </a:bodyPr>
           <a:lstStyle/>
           <a:p>
-            <a:r>
-              <a:rPr lang="en-US" altLang="ko-KR" sz="2000" b="1" dirty="0" smtClean="0">
+            <a:pPr lvl="0">
+              <a:defRPr/>
+            </a:pPr>
+            <a:r>
+              <a:rPr lang="en-US" altLang="ko-KR" sz="2000" b="1">
                 <a:solidFill>
                   <a:schemeClr val="accent6">
                     <a:lumMod val="75000"/>
@@ -3217,7 +3164,7 @@
               </a:rPr>
               <a:t>Servers</a:t>
             </a:r>
-            <a:endParaRPr lang="ko-KR" altLang="en-US" sz="2000" b="1" dirty="0">
+            <a:endParaRPr lang="ko-KR" altLang="en-US" sz="2000" b="1">
               <a:solidFill>
                 <a:schemeClr val="accent6">
                   <a:lumMod val="75000"/>
@@ -3248,10 +3195,16 @@
           </a:bodyPr>
           <a:lstStyle/>
           <a:p>
-            <a:endParaRPr lang="en-US" altLang="ko-KR" sz="1400" dirty="0" smtClean="0"/>
-          </a:p>
-          <a:p>
-            <a:endParaRPr lang="ko-KR" altLang="en-US" sz="1400" dirty="0"/>
+            <a:pPr lvl="0">
+              <a:defRPr/>
+            </a:pPr>
+            <a:endParaRPr lang="en-US" altLang="ko-KR" sz="1400"/>
+          </a:p>
+          <a:p>
+            <a:pPr lvl="0">
+              <a:defRPr/>
+            </a:pPr>
+            <a:endParaRPr lang="ko-KR" altLang="en-US" sz="1400"/>
           </a:p>
         </p:txBody>
       </p:sp>
@@ -3263,8 +3216,8 @@
           </p:cNvPicPr>
           <p:nvPr/>
         </p:nvPicPr>
-        <p:blipFill>
-          <a:blip r:embed="rId5"/>
+        <p:blipFill rotWithShape="1">
+          <a:blip r:embed="rId3"/>
           <a:stretch>
             <a:fillRect/>
           </a:stretch>
@@ -3287,8 +3240,8 @@
           </p:cNvPicPr>
           <p:nvPr/>
         </p:nvPicPr>
-        <p:blipFill>
-          <a:blip r:embed="rId6"/>
+        <p:blipFill rotWithShape="1">
+          <a:blip r:embed="rId4"/>
           <a:stretch>
             <a:fillRect/>
           </a:stretch>
@@ -3311,8 +3264,8 @@
           </p:cNvPicPr>
           <p:nvPr/>
         </p:nvPicPr>
-        <p:blipFill>
-          <a:blip r:embed="rId7"/>
+        <p:blipFill rotWithShape="1">
+          <a:blip r:embed="rId5"/>
           <a:stretch>
             <a:fillRect/>
           </a:stretch>
@@ -3335,8 +3288,8 @@
           </p:cNvPicPr>
           <p:nvPr/>
         </p:nvPicPr>
-        <p:blipFill>
-          <a:blip r:embed="rId8"/>
+        <p:blipFill rotWithShape="1">
+          <a:blip r:embed="rId6"/>
           <a:stretch>
             <a:fillRect/>
           </a:stretch>
@@ -3372,8 +3325,11 @@
           </a:bodyPr>
           <a:lstStyle/>
           <a:p>
-            <a:r>
-              <a:rPr lang="en-US" altLang="ko-KR" sz="2000" b="1" dirty="0" smtClean="0">
+            <a:pPr lvl="0">
+              <a:defRPr/>
+            </a:pPr>
+            <a:r>
+              <a:rPr lang="en-US" altLang="ko-KR" sz="2000" b="1">
                 <a:solidFill>
                   <a:schemeClr val="accent6">
                     <a:lumMod val="75000"/>
@@ -3382,7 +3338,7 @@
               </a:rPr>
               <a:t>Libraries</a:t>
             </a:r>
-            <a:endParaRPr lang="ko-KR" altLang="en-US" sz="2000" b="1" dirty="0">
+            <a:endParaRPr lang="ko-KR" altLang="en-US" sz="2000" b="1">
               <a:solidFill>
                 <a:schemeClr val="accent6">
                   <a:lumMod val="75000"/>
@@ -3413,8 +3369,11 @@
           </a:bodyPr>
           <a:lstStyle/>
           <a:p>
-            <a:r>
-              <a:rPr lang="en-US" altLang="ko-KR" sz="2000" b="1" dirty="0" smtClean="0">
+            <a:pPr lvl="0">
+              <a:defRPr/>
+            </a:pPr>
+            <a:r>
+              <a:rPr lang="en-US" altLang="ko-KR" sz="2000" b="1">
                 <a:solidFill>
                   <a:schemeClr val="accent6">
                     <a:lumMod val="75000"/>
@@ -3423,7 +3382,7 @@
               </a:rPr>
               <a:t>Tools</a:t>
             </a:r>
-            <a:endParaRPr lang="ko-KR" altLang="en-US" sz="2000" b="1" dirty="0">
+            <a:endParaRPr lang="ko-KR" altLang="en-US" sz="2000" b="1">
               <a:solidFill>
                 <a:schemeClr val="accent6">
                   <a:lumMod val="75000"/>
@@ -3454,8 +3413,11 @@
           </a:bodyPr>
           <a:lstStyle/>
           <a:p>
-            <a:r>
-              <a:rPr lang="en-US" altLang="ko-KR" sz="2000" b="1" dirty="0" smtClean="0">
+            <a:pPr lvl="0">
+              <a:defRPr/>
+            </a:pPr>
+            <a:r>
+              <a:rPr lang="en-US" altLang="ko-KR" sz="2000" b="1">
                 <a:solidFill>
                   <a:schemeClr val="accent6">
                     <a:lumMod val="75000"/>
@@ -3465,7 +3427,7 @@
               <a:t>Data</a:t>
             </a:r>
             <a:r>
-              <a:rPr lang="en-US" altLang="ko-KR" b="1" dirty="0" smtClean="0">
+              <a:rPr lang="en-US" altLang="ko-KR" b="1">
                 <a:solidFill>
                   <a:schemeClr val="accent6">
                     <a:lumMod val="75000"/>
@@ -3474,7 +3436,7 @@
               </a:rPr>
               <a:t> Formats</a:t>
             </a:r>
-            <a:endParaRPr lang="ko-KR" altLang="en-US" b="1" dirty="0">
+            <a:endParaRPr lang="ko-KR" altLang="en-US" b="1">
               <a:solidFill>
                 <a:schemeClr val="accent6">
                   <a:lumMod val="75000"/>
@@ -3492,8 +3454,8 @@
           </p:cNvPicPr>
           <p:nvPr/>
         </p:nvPicPr>
-        <p:blipFill>
-          <a:blip r:embed="rId9"/>
+        <p:blipFill rotWithShape="1">
+          <a:blip r:embed="rId7"/>
           <a:stretch>
             <a:fillRect/>
           </a:stretch>
@@ -3516,8 +3478,8 @@
           </p:cNvPicPr>
           <p:nvPr/>
         </p:nvPicPr>
-        <p:blipFill>
-          <a:blip r:embed="rId10"/>
+        <p:blipFill rotWithShape="1">
+          <a:blip r:embed="rId8"/>
           <a:stretch>
             <a:fillRect/>
           </a:stretch>
@@ -3540,8 +3502,8 @@
           </p:cNvPicPr>
           <p:nvPr/>
         </p:nvPicPr>
-        <p:blipFill>
-          <a:blip r:embed="rId11"/>
+        <p:blipFill rotWithShape="1">
+          <a:blip r:embed="rId9"/>
           <a:stretch>
             <a:fillRect/>
           </a:stretch>
@@ -3564,8 +3526,8 @@
           </p:cNvPicPr>
           <p:nvPr/>
         </p:nvPicPr>
-        <p:blipFill>
-          <a:blip r:embed="rId12"/>
+        <p:blipFill rotWithShape="1">
+          <a:blip r:embed="rId10"/>
           <a:stretch>
             <a:fillRect/>
           </a:stretch>
@@ -3588,8 +3550,8 @@
           </p:cNvPicPr>
           <p:nvPr/>
         </p:nvPicPr>
-        <p:blipFill>
-          <a:blip r:embed="rId13"/>
+        <p:blipFill rotWithShape="1">
+          <a:blip r:embed="rId11"/>
           <a:stretch>
             <a:fillRect/>
           </a:stretch>
@@ -3612,8 +3574,8 @@
           </p:cNvPicPr>
           <p:nvPr/>
         </p:nvPicPr>
-        <p:blipFill>
-          <a:blip r:embed="rId14"/>
+        <p:blipFill rotWithShape="1">
+          <a:blip r:embed="rId12"/>
           <a:stretch>
             <a:fillRect/>
           </a:stretch>
@@ -3636,8 +3598,8 @@
           </p:cNvPicPr>
           <p:nvPr/>
         </p:nvPicPr>
-        <p:blipFill>
-          <a:blip r:embed="rId15"/>
+        <p:blipFill rotWithShape="1">
+          <a:blip r:embed="rId13"/>
           <a:stretch>
             <a:fillRect/>
           </a:stretch>
@@ -3660,7 +3622,55 @@
           </p:cNvPicPr>
           <p:nvPr/>
         </p:nvPicPr>
-        <p:blipFill>
+        <p:blipFill rotWithShape="1">
+          <a:blip r:embed="rId14"/>
+          <a:stretch>
+            <a:fillRect/>
+          </a:stretch>
+        </p:blipFill>
+        <p:spPr>
+          <a:xfrm>
+            <a:off x="5855876" y="1598260"/>
+            <a:ext cx="1664209" cy="648393"/>
+          </a:xfrm>
+          <a:prstGeom prst="rect">
+            <a:avLst/>
+          </a:prstGeom>
+        </p:spPr>
+      </p:pic>
+      <p:pic>
+        <p:nvPicPr>
+          <p:cNvPr id="42" name=""/>
+          <p:cNvPicPr>
+            <a:picLocks noChangeAspect="1"/>
+          </p:cNvPicPr>
+          <p:nvPr/>
+        </p:nvPicPr>
+        <p:blipFill rotWithShape="1">
+          <a:blip r:embed="rId15"/>
+          <a:stretch>
+            <a:fillRect/>
+          </a:stretch>
+        </p:blipFill>
+        <p:spPr>
+          <a:xfrm>
+            <a:off x="7170549" y="5312002"/>
+            <a:ext cx="1150413" cy="1234432"/>
+          </a:xfrm>
+          <a:prstGeom prst="rect">
+            <a:avLst/>
+          </a:prstGeom>
+        </p:spPr>
+      </p:pic>
+      <p:pic>
+        <p:nvPicPr>
+          <p:cNvPr id="43" name=""/>
+          <p:cNvPicPr>
+            <a:picLocks noChangeAspect="1"/>
+          </p:cNvPicPr>
+          <p:nvPr/>
+        </p:nvPicPr>
+        <p:blipFill rotWithShape="1">
           <a:blip r:embed="rId16"/>
           <a:stretch>
             <a:fillRect/>
@@ -3668,8 +3678,8 @@
         </p:blipFill>
         <p:spPr>
           <a:xfrm>
-            <a:off x="5855876" y="1598260"/>
-            <a:ext cx="1664209" cy="648393"/>
+            <a:off x="5734120" y="3191137"/>
+            <a:ext cx="1038944" cy="1105615"/>
           </a:xfrm>
           <a:prstGeom prst="rect">
             <a:avLst/>
@@ -3677,15 +3687,18 @@
         </p:spPr>
       </p:pic>
     </p:spTree>
-    <p:extLst>
-      <p:ext uri="{BB962C8B-B14F-4D97-AF65-F5344CB8AC3E}">
-        <p14:creationId xmlns:p14="http://schemas.microsoft.com/office/powerpoint/2010/main" val="2574458297"/>
-      </p:ext>
-    </p:extLst>
   </p:cSld>
   <p:clrMapOvr>
     <a:masterClrMapping/>
   </p:clrMapOvr>
+  <mc:AlternateContent xmlns:mc="http://schemas.openxmlformats.org/markup-compatibility/2006">
+    <mc:Choice xmlns:p14="http://schemas.microsoft.com/office/powerpoint/2010/main" Requires="p14">
+      <p:transition xmlns:mc="http://schemas.openxmlformats.org/markup-compatibility/2006" xmlns:p14="http://schemas.microsoft.com/office/powerpoint/2010/main" mc:Ignorable="p14" p14:dur="500"/>
+    </mc:Choice>
+    <mc:Fallback>
+      <p:transition/>
+    </mc:Fallback>
+  </mc:AlternateContent>
 </p:sld>
 </file>
 
@@ -4191,52 +4204,52 @@
 </file>
 
 <file path=ppt/theme/theme1.xml><?xml version="1.0" encoding="utf-8"?>
-<a:theme xmlns:a="http://schemas.openxmlformats.org/drawingml/2006/main" name="Office 테마">
+<a:theme xmlns:r="http://schemas.openxmlformats.org/officeDocument/2006/relationships" xmlns:c="http://schemas.openxmlformats.org/drawingml/2006/chart" xmlns:dgm="http://schemas.openxmlformats.org/drawingml/2006/diagram" xmlns:dsp="http://schemas.microsoft.com/office/drawing/2008/diagram" xmlns:a="http://schemas.openxmlformats.org/drawingml/2006/main" xmlns:pic="http://schemas.openxmlformats.org/drawingml/2006/picture" xmlns:wp="http://schemas.openxmlformats.org/drawingml/2006/wordprocessingDrawing" xmlns:xdr="http://schemas.openxmlformats.org/drawingml/2006/spreadsheetDrawing" name="Office 테마">
   <a:themeElements>
     <a:clrScheme name="Office">
       <a:dk1>
         <a:sysClr val="windowText" lastClr="000000"/>
       </a:dk1>
       <a:lt1>
-        <a:sysClr val="window" lastClr="FFFFFF"/>
+        <a:sysClr val="window" lastClr="ffffff"/>
       </a:lt1>
       <a:dk2>
-        <a:srgbClr val="44546A"/>
+        <a:srgbClr val="44546a"/>
       </a:dk2>
       <a:lt2>
-        <a:srgbClr val="E7E6E6"/>
+        <a:srgbClr val="e7e6e6"/>
       </a:lt2>
       <a:accent1>
-        <a:srgbClr val="5B9BD5"/>
+        <a:srgbClr val="5b9bd5"/>
       </a:accent1>
       <a:accent2>
-        <a:srgbClr val="ED7D31"/>
+        <a:srgbClr val="ed7d31"/>
       </a:accent2>
       <a:accent3>
-        <a:srgbClr val="A5A5A5"/>
+        <a:srgbClr val="a5a5a5"/>
       </a:accent3>
       <a:accent4>
-        <a:srgbClr val="FFC000"/>
+        <a:srgbClr val="ffc000"/>
       </a:accent4>
       <a:accent5>
-        <a:srgbClr val="4472C4"/>
+        <a:srgbClr val="4472c4"/>
       </a:accent5>
       <a:accent6>
-        <a:srgbClr val="70AD47"/>
+        <a:srgbClr val="70ad47"/>
       </a:accent6>
       <a:hlink>
-        <a:srgbClr val="0563C1"/>
+        <a:srgbClr val="0563c1"/>
       </a:hlink>
       <a:folHlink>
-        <a:srgbClr val="954F72"/>
+        <a:srgbClr val="954f72"/>
       </a:folHlink>
     </a:clrScheme>
     <a:fontScheme name="Office">
       <a:majorFont>
-        <a:latin typeface="맑은 고딕" panose="020F0302020204030204"/>
+        <a:latin typeface="맑은 고딕" panose="20"/>
         <a:ea typeface=""/>
         <a:cs typeface=""/>
-        <a:font script="Jpan" typeface="游ゴシック Light"/>
+        <a:font script="Jpan" typeface="Yu Gothic Light"/>
         <a:font script="Hang" typeface="맑은 고딕"/>
         <a:font script="Hans" typeface="等线 Light"/>
         <a:font script="Hant" typeface="新細明體"/>
@@ -4268,10 +4281,10 @@
         <a:font script="Geor" typeface="Sylfaen"/>
       </a:majorFont>
       <a:minorFont>
-        <a:latin typeface="맑은 고딕" panose="020F0502020204030204"/>
+        <a:latin typeface="맑은 고딕" panose="20"/>
         <a:ea typeface=""/>
         <a:cs typeface=""/>
-        <a:font script="Jpan" typeface="游ゴシック"/>
+        <a:font script="Jpan" typeface="Yu Gothic"/>
         <a:font script="Hang" typeface="맑은 고딕"/>
         <a:font script="Hans" typeface="等线"/>
         <a:font script="Hant" typeface="新細明體"/>
@@ -4367,21 +4380,21 @@
             <a:schemeClr val="phClr"/>
           </a:solidFill>
           <a:prstDash val="solid"/>
-          <a:miter lim="800000"/>
+          <a:miter/>
         </a:ln>
         <a:ln w="12700" cap="flat" cmpd="sng" algn="ctr">
           <a:solidFill>
             <a:schemeClr val="phClr"/>
           </a:solidFill>
           <a:prstDash val="solid"/>
-          <a:miter lim="800000"/>
+          <a:miter/>
         </a:ln>
         <a:ln w="19050" cap="flat" cmpd="sng" algn="ctr">
           <a:solidFill>
             <a:schemeClr val="phClr"/>
           </a:solidFill>
           <a:prstDash val="solid"/>
-          <a:miter lim="800000"/>
+          <a:miter/>
         </a:ln>
       </a:lnStyleLst>
       <a:effectStyleLst>
@@ -4441,12 +4454,5 @@
       </a:bgFillStyleLst>
     </a:fmtScheme>
   </a:themeElements>
-  <a:objectDefaults/>
-  <a:extraClrSchemeLst/>
-  <a:extLst>
-    <a:ext uri="{05A4C25C-085E-4340-85A3-A5531E510DB2}">
-      <thm15:themeFamily xmlns:thm15="http://schemas.microsoft.com/office/thememl/2012/main" name="Office Theme" id="{62F939B6-93AF-4DB8-9C6B-D6C7DFDC589F}" vid="{4A3C46E8-61CC-4603-A589-7422A47A8E4A}"/>
-    </a:ext>
-  </a:extLst>
 </a:theme>
 </file>